--- a/2023/UNIT_2/Site/UNIT-2-PART-1.pptx
+++ b/2023/UNIT_2/Site/UNIT-2-PART-1.pptx
@@ -32,34 +32,35 @@
     <p:sldId id="354" r:id="rId26"/>
     <p:sldId id="355" r:id="rId27"/>
     <p:sldId id="356" r:id="rId28"/>
-    <p:sldId id="316" r:id="rId29"/>
+    <p:sldId id="372" r:id="rId29"/>
     <p:sldId id="317" r:id="rId30"/>
-    <p:sldId id="318" r:id="rId31"/>
-    <p:sldId id="323" r:id="rId32"/>
-    <p:sldId id="320" r:id="rId33"/>
-    <p:sldId id="319" r:id="rId34"/>
-    <p:sldId id="322" r:id="rId35"/>
-    <p:sldId id="370" r:id="rId36"/>
-    <p:sldId id="324" r:id="rId37"/>
-    <p:sldId id="321" r:id="rId38"/>
-    <p:sldId id="326" r:id="rId39"/>
-    <p:sldId id="327" r:id="rId40"/>
-    <p:sldId id="328" r:id="rId41"/>
-    <p:sldId id="329" r:id="rId42"/>
-    <p:sldId id="371" r:id="rId43"/>
-    <p:sldId id="325" r:id="rId44"/>
-    <p:sldId id="348" r:id="rId45"/>
-    <p:sldId id="349" r:id="rId46"/>
-    <p:sldId id="359" r:id="rId47"/>
-    <p:sldId id="360" r:id="rId48"/>
-    <p:sldId id="361" r:id="rId49"/>
-    <p:sldId id="362" r:id="rId50"/>
-    <p:sldId id="363" r:id="rId51"/>
-    <p:sldId id="365" r:id="rId52"/>
-    <p:sldId id="366" r:id="rId53"/>
-    <p:sldId id="367" r:id="rId54"/>
-    <p:sldId id="368" r:id="rId55"/>
-    <p:sldId id="369" r:id="rId56"/>
+    <p:sldId id="316" r:id="rId31"/>
+    <p:sldId id="318" r:id="rId32"/>
+    <p:sldId id="323" r:id="rId33"/>
+    <p:sldId id="320" r:id="rId34"/>
+    <p:sldId id="319" r:id="rId35"/>
+    <p:sldId id="322" r:id="rId36"/>
+    <p:sldId id="370" r:id="rId37"/>
+    <p:sldId id="324" r:id="rId38"/>
+    <p:sldId id="321" r:id="rId39"/>
+    <p:sldId id="326" r:id="rId40"/>
+    <p:sldId id="327" r:id="rId41"/>
+    <p:sldId id="328" r:id="rId42"/>
+    <p:sldId id="329" r:id="rId43"/>
+    <p:sldId id="371" r:id="rId44"/>
+    <p:sldId id="325" r:id="rId45"/>
+    <p:sldId id="348" r:id="rId46"/>
+    <p:sldId id="349" r:id="rId47"/>
+    <p:sldId id="359" r:id="rId48"/>
+    <p:sldId id="360" r:id="rId49"/>
+    <p:sldId id="361" r:id="rId50"/>
+    <p:sldId id="362" r:id="rId51"/>
+    <p:sldId id="363" r:id="rId52"/>
+    <p:sldId id="365" r:id="rId53"/>
+    <p:sldId id="366" r:id="rId54"/>
+    <p:sldId id="367" r:id="rId55"/>
+    <p:sldId id="368" r:id="rId56"/>
+    <p:sldId id="369" r:id="rId57"/>
   </p:sldIdLst>
   <p:sldSz cx="9144000" cy="6858000" type="screen4x3"/>
   <p:notesSz cx="6858000" cy="9144000"/>
@@ -24371,6 +24372,849 @@
             <p:ph type="title"/>
           </p:nvPr>
         </p:nvSpPr>
+        <p:spPr/>
+        <p:txBody>
+          <a:bodyPr>
+            <a:normAutofit/>
+          </a:bodyPr>
+          <a:lstStyle/>
+          <a:p>
+            <a:r>
+              <a:rPr lang="en-US" sz="4000" dirty="0">
+                <a:latin typeface="+mn-lt"/>
+              </a:rPr>
+              <a:t>View Table Structure</a:t>
+            </a:r>
+            <a:endParaRPr lang="en-US" sz="4000" dirty="0"/>
+          </a:p>
+        </p:txBody>
+      </p:sp>
+      <p:sp>
+        <p:nvSpPr>
+          <p:cNvPr id="5" name="Rectangle: Top Corners Rounded 4">
+            <a:extLst>
+              <a:ext uri="{FF2B5EF4-FFF2-40B4-BE49-F238E27FC236}">
+                <a16:creationId xmlns:a16="http://schemas.microsoft.com/office/drawing/2014/main" id="{F7B8CC30-D7B0-36B7-EE92-26AC5FA2CAF4}"/>
+              </a:ext>
+            </a:extLst>
+          </p:cNvPr>
+          <p:cNvSpPr/>
+          <p:nvPr/>
+        </p:nvSpPr>
+        <p:spPr>
+          <a:xfrm>
+            <a:off x="756469" y="1533832"/>
+            <a:ext cx="4120331" cy="501445"/>
+          </a:xfrm>
+          <a:prstGeom prst="round2SameRect">
+            <a:avLst/>
+          </a:prstGeom>
+          <a:solidFill>
+            <a:schemeClr val="accent1">
+              <a:lumMod val="50000"/>
+            </a:schemeClr>
+          </a:solidFill>
+        </p:spPr>
+        <p:style>
+          <a:lnRef idx="2">
+            <a:schemeClr val="accent1">
+              <a:shade val="50000"/>
+            </a:schemeClr>
+          </a:lnRef>
+          <a:fillRef idx="1">
+            <a:schemeClr val="accent1"/>
+          </a:fillRef>
+          <a:effectRef idx="0">
+            <a:schemeClr val="accent1"/>
+          </a:effectRef>
+          <a:fontRef idx="minor">
+            <a:schemeClr val="lt1"/>
+          </a:fontRef>
+        </p:style>
+        <p:txBody>
+          <a:bodyPr rtlCol="0" anchor="ctr"/>
+          <a:lstStyle/>
+          <a:p>
+            <a:r>
+              <a:rPr lang="en-US" sz="2800" dirty="0"/>
+              <a:t>DESCRIBE</a:t>
+            </a:r>
+          </a:p>
+        </p:txBody>
+      </p:sp>
+      <p:cxnSp>
+        <p:nvCxnSpPr>
+          <p:cNvPr id="9" name="Straight Connector 8">
+            <a:extLst>
+              <a:ext uri="{FF2B5EF4-FFF2-40B4-BE49-F238E27FC236}">
+                <a16:creationId xmlns:a16="http://schemas.microsoft.com/office/drawing/2014/main" id="{4225CC20-A767-84DD-7C43-FC175E2AF493}"/>
+              </a:ext>
+            </a:extLst>
+          </p:cNvPr>
+          <p:cNvCxnSpPr>
+            <a:cxnSpLocks/>
+          </p:cNvCxnSpPr>
+          <p:nvPr/>
+        </p:nvCxnSpPr>
+        <p:spPr>
+          <a:xfrm>
+            <a:off x="756469" y="2035277"/>
+            <a:ext cx="7443634" cy="0"/>
+          </a:xfrm>
+          <a:prstGeom prst="line">
+            <a:avLst/>
+          </a:prstGeom>
+          <a:ln>
+            <a:solidFill>
+              <a:schemeClr val="accent1">
+                <a:lumMod val="50000"/>
+              </a:schemeClr>
+            </a:solidFill>
+          </a:ln>
+        </p:spPr>
+        <p:style>
+          <a:lnRef idx="3">
+            <a:schemeClr val="accent1"/>
+          </a:lnRef>
+          <a:fillRef idx="0">
+            <a:schemeClr val="accent1"/>
+          </a:fillRef>
+          <a:effectRef idx="2">
+            <a:schemeClr val="accent1"/>
+          </a:effectRef>
+          <a:fontRef idx="minor">
+            <a:schemeClr val="tx1"/>
+          </a:fontRef>
+        </p:style>
+      </p:cxnSp>
+      <p:sp>
+        <p:nvSpPr>
+          <p:cNvPr id="14" name="TextBox 13">
+            <a:extLst>
+              <a:ext uri="{FF2B5EF4-FFF2-40B4-BE49-F238E27FC236}">
+                <a16:creationId xmlns:a16="http://schemas.microsoft.com/office/drawing/2014/main" id="{50AE2663-2FEE-A4FC-35BD-8BDBE74BE3D0}"/>
+              </a:ext>
+            </a:extLst>
+          </p:cNvPr>
+          <p:cNvSpPr txBox="1"/>
+          <p:nvPr/>
+        </p:nvSpPr>
+        <p:spPr>
+          <a:xfrm>
+            <a:off x="638481" y="2104553"/>
+            <a:ext cx="8048319" cy="2492990"/>
+          </a:xfrm>
+          <a:prstGeom prst="rect">
+            <a:avLst/>
+          </a:prstGeom>
+          <a:noFill/>
+        </p:spPr>
+        <p:txBody>
+          <a:bodyPr wrap="square">
+            <a:spAutoFit/>
+          </a:bodyPr>
+          <a:lstStyle/>
+          <a:p>
+            <a:r>
+              <a:rPr lang="en-US" sz="2600" b="1" dirty="0">
+                <a:solidFill>
+                  <a:srgbClr val="000000"/>
+                </a:solidFill>
+              </a:rPr>
+              <a:t>DESCRIBE or DESC </a:t>
+            </a:r>
+            <a:r>
+              <a:rPr lang="en-US" sz="2600" dirty="0">
+                <a:solidFill>
+                  <a:srgbClr val="000000"/>
+                </a:solidFill>
+              </a:rPr>
+              <a:t>command used to view the structure of the table.</a:t>
+            </a:r>
+          </a:p>
+          <a:p>
+            <a:endParaRPr lang="en-US" sz="2600" dirty="0">
+              <a:solidFill>
+                <a:srgbClr val="000000"/>
+              </a:solidFill>
+            </a:endParaRPr>
+          </a:p>
+          <a:p>
+            <a:r>
+              <a:rPr lang="en-IN" sz="2600" u="sng" dirty="0"/>
+              <a:t>Syntax :</a:t>
+            </a:r>
+            <a:endParaRPr lang="en-US" sz="2600" u="sng" dirty="0"/>
+          </a:p>
+          <a:p>
+            <a:endParaRPr lang="en-US" sz="2600" dirty="0">
+              <a:solidFill>
+                <a:srgbClr val="000000"/>
+              </a:solidFill>
+            </a:endParaRPr>
+          </a:p>
+          <a:p>
+            <a:endParaRPr lang="en-IN" sz="2600" u="sng" dirty="0"/>
+          </a:p>
+        </p:txBody>
+      </p:sp>
+      <p:sp>
+        <p:nvSpPr>
+          <p:cNvPr id="3" name="TextBox 2">
+            <a:extLst>
+              <a:ext uri="{FF2B5EF4-FFF2-40B4-BE49-F238E27FC236}">
+                <a16:creationId xmlns:a16="http://schemas.microsoft.com/office/drawing/2014/main" id="{6CDBC2CF-D8BA-8942-550A-28E965D7083B}"/>
+              </a:ext>
+            </a:extLst>
+          </p:cNvPr>
+          <p:cNvSpPr txBox="1"/>
+          <p:nvPr/>
+        </p:nvSpPr>
+        <p:spPr>
+          <a:xfrm>
+            <a:off x="652922" y="4226577"/>
+            <a:ext cx="3388136" cy="1569660"/>
+          </a:xfrm>
+          <a:prstGeom prst="rect">
+            <a:avLst/>
+          </a:prstGeom>
+          <a:solidFill>
+            <a:schemeClr val="bg1">
+              <a:lumMod val="95000"/>
+            </a:schemeClr>
+          </a:solidFill>
+          <a:ln>
+            <a:noFill/>
+          </a:ln>
+        </p:spPr>
+        <p:txBody>
+          <a:bodyPr wrap="square">
+            <a:spAutoFit/>
+          </a:bodyPr>
+          <a:lstStyle/>
+          <a:p>
+            <a:pPr marL="0" indent="0">
+              <a:buNone/>
+            </a:pPr>
+            <a:r>
+              <a:rPr lang="en-IN" sz="2400" dirty="0">
+                <a:solidFill>
+                  <a:srgbClr val="FF0000"/>
+                </a:solidFill>
+              </a:rPr>
+              <a:t>DESCRIBE </a:t>
+            </a:r>
+            <a:r>
+              <a:rPr lang="en-IN" sz="2400" dirty="0" err="1"/>
+              <a:t>table_name</a:t>
+            </a:r>
+            <a:r>
+              <a:rPr lang="en-IN" sz="2400" dirty="0"/>
+              <a:t> ;</a:t>
+            </a:r>
+          </a:p>
+          <a:p>
+            <a:r>
+              <a:rPr lang="en-IN" sz="2400" dirty="0">
+                <a:solidFill>
+                  <a:srgbClr val="FF0000"/>
+                </a:solidFill>
+              </a:rPr>
+              <a:t>	OR</a:t>
+            </a:r>
+          </a:p>
+          <a:p>
+            <a:r>
+              <a:rPr lang="en-IN" sz="2400" dirty="0">
+                <a:solidFill>
+                  <a:srgbClr val="FF0000"/>
+                </a:solidFill>
+              </a:rPr>
+              <a:t>DESC </a:t>
+            </a:r>
+            <a:r>
+              <a:rPr lang="en-IN" sz="2400" dirty="0" err="1"/>
+              <a:t>table_name</a:t>
+            </a:r>
+            <a:r>
+              <a:rPr lang="en-IN" sz="2400" dirty="0"/>
+              <a:t> ;</a:t>
+            </a:r>
+          </a:p>
+          <a:p>
+            <a:pPr marL="0" indent="0">
+              <a:buNone/>
+            </a:pPr>
+            <a:endParaRPr lang="en-IN" sz="2400" dirty="0"/>
+          </a:p>
+        </p:txBody>
+      </p:sp>
+      <p:sp>
+        <p:nvSpPr>
+          <p:cNvPr id="6" name="TextBox 5">
+            <a:extLst>
+              <a:ext uri="{FF2B5EF4-FFF2-40B4-BE49-F238E27FC236}">
+                <a16:creationId xmlns:a16="http://schemas.microsoft.com/office/drawing/2014/main" id="{20073FCC-5884-2A91-5DCA-56EDCB813F8C}"/>
+              </a:ext>
+            </a:extLst>
+          </p:cNvPr>
+          <p:cNvSpPr txBox="1"/>
+          <p:nvPr/>
+        </p:nvSpPr>
+        <p:spPr>
+          <a:xfrm>
+            <a:off x="5102944" y="4226577"/>
+            <a:ext cx="3703383" cy="1200329"/>
+          </a:xfrm>
+          <a:prstGeom prst="rect">
+            <a:avLst/>
+          </a:prstGeom>
+          <a:solidFill>
+            <a:schemeClr val="bg1">
+              <a:lumMod val="95000"/>
+            </a:schemeClr>
+          </a:solidFill>
+          <a:ln>
+            <a:noFill/>
+          </a:ln>
+        </p:spPr>
+        <p:txBody>
+          <a:bodyPr wrap="square">
+            <a:spAutoFit/>
+          </a:bodyPr>
+          <a:lstStyle/>
+          <a:p>
+            <a:r>
+              <a:rPr lang="en-IN" sz="2400" u="sng" dirty="0"/>
+              <a:t>Example:</a:t>
+            </a:r>
+          </a:p>
+          <a:p>
+            <a:endParaRPr lang="en-IN" sz="2400" dirty="0">
+              <a:solidFill>
+                <a:srgbClr val="FF0000"/>
+              </a:solidFill>
+            </a:endParaRPr>
+          </a:p>
+          <a:p>
+            <a:r>
+              <a:rPr lang="en-IN" sz="2400" dirty="0">
+                <a:solidFill>
+                  <a:srgbClr val="FF0000"/>
+                </a:solidFill>
+              </a:rPr>
+              <a:t>DESC </a:t>
+            </a:r>
+            <a:r>
+              <a:rPr lang="en-US" sz="2400" dirty="0" err="1">
+                <a:solidFill>
+                  <a:schemeClr val="accent1"/>
+                </a:solidFill>
+              </a:rPr>
+              <a:t>student_details</a:t>
+            </a:r>
+            <a:r>
+              <a:rPr lang="en-IN" sz="2400" dirty="0"/>
+              <a:t>;</a:t>
+            </a:r>
+          </a:p>
+        </p:txBody>
+      </p:sp>
+    </p:spTree>
+    <p:extLst>
+      <p:ext uri="{BB962C8B-B14F-4D97-AF65-F5344CB8AC3E}">
+        <p14:creationId xmlns:p14="http://schemas.microsoft.com/office/powerpoint/2010/main" val="3291844054"/>
+      </p:ext>
+    </p:extLst>
+  </p:cSld>
+  <p:clrMapOvr>
+    <a:masterClrMapping/>
+  </p:clrMapOvr>
+</p:sld>
+</file>
+
+<file path=ppt/slides/slide29.xml><?xml version="1.0" encoding="utf-8"?>
+<p:sld xmlns:a="http://schemas.openxmlformats.org/drawingml/2006/main" xmlns:r="http://schemas.openxmlformats.org/officeDocument/2006/relationships" xmlns:p="http://schemas.openxmlformats.org/presentationml/2006/main">
+  <p:cSld>
+    <p:spTree>
+      <p:nvGrpSpPr>
+        <p:cNvPr id="1" name=""/>
+        <p:cNvGrpSpPr/>
+        <p:nvPr/>
+      </p:nvGrpSpPr>
+      <p:grpSpPr>
+        <a:xfrm>
+          <a:off x="0" y="0"/>
+          <a:ext cx="0" cy="0"/>
+          <a:chOff x="0" y="0"/>
+          <a:chExt cx="0" cy="0"/>
+        </a:xfrm>
+      </p:grpSpPr>
+      <p:sp>
+        <p:nvSpPr>
+          <p:cNvPr id="2" name="Title 1">
+            <a:extLst>
+              <a:ext uri="{FF2B5EF4-FFF2-40B4-BE49-F238E27FC236}">
+                <a16:creationId xmlns:a16="http://schemas.microsoft.com/office/drawing/2014/main" id="{1B0E7528-F0A1-EE48-D3FD-F2F7E07542CC}"/>
+              </a:ext>
+            </a:extLst>
+          </p:cNvPr>
+          <p:cNvSpPr>
+            <a:spLocks noGrp="1"/>
+          </p:cNvSpPr>
+          <p:nvPr>
+            <p:ph type="title"/>
+          </p:nvPr>
+        </p:nvSpPr>
+        <p:spPr>
+          <a:xfrm>
+            <a:off x="382734" y="365126"/>
+            <a:ext cx="7886700" cy="1325563"/>
+          </a:xfrm>
+        </p:spPr>
+        <p:txBody>
+          <a:bodyPr>
+            <a:normAutofit/>
+          </a:bodyPr>
+          <a:lstStyle/>
+          <a:p>
+            <a:r>
+              <a:rPr lang="en-US" sz="4000" dirty="0">
+                <a:latin typeface="+mn-lt"/>
+              </a:rPr>
+              <a:t>Data definition language (DDL)</a:t>
+            </a:r>
+            <a:endParaRPr lang="en-US" sz="4000" dirty="0"/>
+          </a:p>
+        </p:txBody>
+      </p:sp>
+      <p:sp>
+        <p:nvSpPr>
+          <p:cNvPr id="5" name="Rectangle: Top Corners Rounded 4">
+            <a:extLst>
+              <a:ext uri="{FF2B5EF4-FFF2-40B4-BE49-F238E27FC236}">
+                <a16:creationId xmlns:a16="http://schemas.microsoft.com/office/drawing/2014/main" id="{F7B8CC30-D7B0-36B7-EE92-26AC5FA2CAF4}"/>
+              </a:ext>
+            </a:extLst>
+          </p:cNvPr>
+          <p:cNvSpPr/>
+          <p:nvPr/>
+        </p:nvSpPr>
+        <p:spPr>
+          <a:xfrm>
+            <a:off x="520152" y="1544719"/>
+            <a:ext cx="2350525" cy="501445"/>
+          </a:xfrm>
+          <a:prstGeom prst="round2SameRect">
+            <a:avLst/>
+          </a:prstGeom>
+          <a:solidFill>
+            <a:schemeClr val="accent1">
+              <a:lumMod val="50000"/>
+            </a:schemeClr>
+          </a:solidFill>
+        </p:spPr>
+        <p:style>
+          <a:lnRef idx="2">
+            <a:schemeClr val="accent1">
+              <a:shade val="50000"/>
+            </a:schemeClr>
+          </a:lnRef>
+          <a:fillRef idx="1">
+            <a:schemeClr val="accent1"/>
+          </a:fillRef>
+          <a:effectRef idx="0">
+            <a:schemeClr val="accent1"/>
+          </a:effectRef>
+          <a:fontRef idx="minor">
+            <a:schemeClr val="lt1"/>
+          </a:fontRef>
+        </p:style>
+        <p:txBody>
+          <a:bodyPr rtlCol="0" anchor="ctr"/>
+          <a:lstStyle/>
+          <a:p>
+            <a:pPr algn="ctr"/>
+            <a:r>
+              <a:rPr lang="en-US" sz="2800" dirty="0"/>
+              <a:t>TRUNCATE</a:t>
+            </a:r>
+          </a:p>
+        </p:txBody>
+      </p:sp>
+      <p:cxnSp>
+        <p:nvCxnSpPr>
+          <p:cNvPr id="9" name="Straight Connector 8">
+            <a:extLst>
+              <a:ext uri="{FF2B5EF4-FFF2-40B4-BE49-F238E27FC236}">
+                <a16:creationId xmlns:a16="http://schemas.microsoft.com/office/drawing/2014/main" id="{4225CC20-A767-84DD-7C43-FC175E2AF493}"/>
+              </a:ext>
+            </a:extLst>
+          </p:cNvPr>
+          <p:cNvCxnSpPr>
+            <a:cxnSpLocks/>
+          </p:cNvCxnSpPr>
+          <p:nvPr/>
+        </p:nvCxnSpPr>
+        <p:spPr>
+          <a:xfrm>
+            <a:off x="520152" y="2035277"/>
+            <a:ext cx="7995198" cy="0"/>
+          </a:xfrm>
+          <a:prstGeom prst="line">
+            <a:avLst/>
+          </a:prstGeom>
+          <a:ln>
+            <a:solidFill>
+              <a:schemeClr val="accent1">
+                <a:lumMod val="50000"/>
+              </a:schemeClr>
+            </a:solidFill>
+          </a:ln>
+        </p:spPr>
+        <p:style>
+          <a:lnRef idx="3">
+            <a:schemeClr val="accent1"/>
+          </a:lnRef>
+          <a:fillRef idx="0">
+            <a:schemeClr val="accent1"/>
+          </a:fillRef>
+          <a:effectRef idx="2">
+            <a:schemeClr val="accent1"/>
+          </a:effectRef>
+          <a:fontRef idx="minor">
+            <a:schemeClr val="tx1"/>
+          </a:fontRef>
+        </p:style>
+      </p:cxnSp>
+      <p:sp>
+        <p:nvSpPr>
+          <p:cNvPr id="4" name="TextBox 3">
+            <a:extLst>
+              <a:ext uri="{FF2B5EF4-FFF2-40B4-BE49-F238E27FC236}">
+                <a16:creationId xmlns:a16="http://schemas.microsoft.com/office/drawing/2014/main" id="{DA7C56EA-9E6A-A22B-DF7C-F502DA91532B}"/>
+              </a:ext>
+            </a:extLst>
+          </p:cNvPr>
+          <p:cNvSpPr txBox="1"/>
+          <p:nvPr/>
+        </p:nvSpPr>
+        <p:spPr>
+          <a:xfrm>
+            <a:off x="410497" y="2351782"/>
+            <a:ext cx="8323006" cy="2092881"/>
+          </a:xfrm>
+          <a:prstGeom prst="rect">
+            <a:avLst/>
+          </a:prstGeom>
+          <a:noFill/>
+        </p:spPr>
+        <p:txBody>
+          <a:bodyPr wrap="square">
+            <a:spAutoFit/>
+          </a:bodyPr>
+          <a:lstStyle/>
+          <a:p>
+            <a:pPr marL="457200" indent="-457200">
+              <a:buFont typeface="Arial" panose="020B0604020202020204" pitchFamily="34" charset="0"/>
+              <a:buChar char="•"/>
+            </a:pPr>
+            <a:r>
+              <a:rPr lang="en-US" sz="2600" dirty="0"/>
+              <a:t>TRUNCATE TABLE statement is used to delete the data inside a table, but not the table.</a:t>
+            </a:r>
+          </a:p>
+          <a:p>
+            <a:endParaRPr lang="en-US" sz="2600" dirty="0"/>
+          </a:p>
+          <a:p>
+            <a:pPr marL="457200" indent="-457200">
+              <a:buFont typeface="Arial" panose="020B0604020202020204" pitchFamily="34" charset="0"/>
+              <a:buChar char="•"/>
+            </a:pPr>
+            <a:r>
+              <a:rPr lang="en-US" sz="2600" dirty="0"/>
+              <a:t>It permanently removes records/observation from the table.</a:t>
+            </a:r>
+          </a:p>
+        </p:txBody>
+      </p:sp>
+      <p:sp>
+        <p:nvSpPr>
+          <p:cNvPr id="7" name="TextBox 6">
+            <a:extLst>
+              <a:ext uri="{FF2B5EF4-FFF2-40B4-BE49-F238E27FC236}">
+                <a16:creationId xmlns:a16="http://schemas.microsoft.com/office/drawing/2014/main" id="{2D0FD425-1DEC-12AD-A1DE-648F07612DE8}"/>
+              </a:ext>
+            </a:extLst>
+          </p:cNvPr>
+          <p:cNvSpPr txBox="1"/>
+          <p:nvPr/>
+        </p:nvSpPr>
+        <p:spPr>
+          <a:xfrm>
+            <a:off x="3932903" y="4352822"/>
+            <a:ext cx="4582447" cy="1938992"/>
+          </a:xfrm>
+          <a:prstGeom prst="rect">
+            <a:avLst/>
+          </a:prstGeom>
+          <a:solidFill>
+            <a:schemeClr val="bg2"/>
+          </a:solidFill>
+        </p:spPr>
+        <p:txBody>
+          <a:bodyPr wrap="square">
+            <a:spAutoFit/>
+          </a:bodyPr>
+          <a:lstStyle/>
+          <a:p>
+            <a:pPr marL="114300" indent="0">
+              <a:buNone/>
+            </a:pPr>
+            <a:r>
+              <a:rPr lang="en-US" sz="2400" i="1" u="sng" dirty="0"/>
+              <a:t>Syntax:</a:t>
+            </a:r>
+          </a:p>
+          <a:p>
+            <a:pPr marL="114300" indent="0">
+              <a:buNone/>
+            </a:pPr>
+            <a:r>
+              <a:rPr lang="en-US" sz="2400" dirty="0">
+                <a:solidFill>
+                  <a:srgbClr val="FF0000"/>
+                </a:solidFill>
+              </a:rPr>
+              <a:t>TRUNCATE  TABLE </a:t>
+            </a:r>
+            <a:r>
+              <a:rPr lang="en-US" sz="2400" dirty="0" err="1"/>
+              <a:t>table_name</a:t>
+            </a:r>
+            <a:r>
+              <a:rPr lang="en-US" sz="2400" dirty="0"/>
+              <a:t>;</a:t>
+            </a:r>
+          </a:p>
+          <a:p>
+            <a:pPr marL="114300" indent="0">
+              <a:buNone/>
+            </a:pPr>
+            <a:endParaRPr lang="en-US" sz="2400" dirty="0"/>
+          </a:p>
+          <a:p>
+            <a:pPr marL="114300" indent="0">
+              <a:buNone/>
+            </a:pPr>
+            <a:r>
+              <a:rPr lang="en-US" sz="2400" u="sng" dirty="0"/>
+              <a:t>Example</a:t>
+            </a:r>
+            <a:r>
+              <a:rPr lang="en-US" sz="2400" dirty="0"/>
+              <a:t>:</a:t>
+            </a:r>
+          </a:p>
+          <a:p>
+            <a:pPr marL="114300" indent="0">
+              <a:buNone/>
+            </a:pPr>
+            <a:r>
+              <a:rPr lang="en-US" sz="2400" dirty="0">
+                <a:solidFill>
+                  <a:srgbClr val="FF0000"/>
+                </a:solidFill>
+              </a:rPr>
+              <a:t>TRUNCATE  TABLE </a:t>
+            </a:r>
+            <a:r>
+              <a:rPr lang="en-US" sz="2400" dirty="0" err="1"/>
+              <a:t>student_details</a:t>
+            </a:r>
+            <a:r>
+              <a:rPr lang="en-US" sz="2400" dirty="0"/>
+              <a:t>;</a:t>
+            </a:r>
+          </a:p>
+        </p:txBody>
+      </p:sp>
+    </p:spTree>
+    <p:extLst>
+      <p:ext uri="{BB962C8B-B14F-4D97-AF65-F5344CB8AC3E}">
+        <p14:creationId xmlns:p14="http://schemas.microsoft.com/office/powerpoint/2010/main" val="2264151483"/>
+      </p:ext>
+    </p:extLst>
+  </p:cSld>
+  <p:clrMapOvr>
+    <a:masterClrMapping/>
+  </p:clrMapOvr>
+</p:sld>
+</file>
+
+<file path=ppt/slides/slide3.xml><?xml version="1.0" encoding="utf-8"?>
+<p:sld xmlns:a="http://schemas.openxmlformats.org/drawingml/2006/main" xmlns:r="http://schemas.openxmlformats.org/officeDocument/2006/relationships" xmlns:p="http://schemas.openxmlformats.org/presentationml/2006/main">
+  <p:cSld>
+    <p:spTree>
+      <p:nvGrpSpPr>
+        <p:cNvPr id="1" name=""/>
+        <p:cNvGrpSpPr/>
+        <p:nvPr/>
+      </p:nvGrpSpPr>
+      <p:grpSpPr>
+        <a:xfrm>
+          <a:off x="0" y="0"/>
+          <a:ext cx="0" cy="0"/>
+          <a:chOff x="0" y="0"/>
+          <a:chExt cx="0" cy="0"/>
+        </a:xfrm>
+      </p:grpSpPr>
+      <p:sp>
+        <p:nvSpPr>
+          <p:cNvPr id="2" name="Title 1">
+            <a:extLst>
+              <a:ext uri="{FF2B5EF4-FFF2-40B4-BE49-F238E27FC236}">
+                <a16:creationId xmlns:a16="http://schemas.microsoft.com/office/drawing/2014/main" id="{7365FF75-4868-2BF1-9AC8-230C30F8A3E7}"/>
+              </a:ext>
+            </a:extLst>
+          </p:cNvPr>
+          <p:cNvSpPr>
+            <a:spLocks noGrp="1"/>
+          </p:cNvSpPr>
+          <p:nvPr>
+            <p:ph type="title"/>
+          </p:nvPr>
+        </p:nvSpPr>
+        <p:spPr/>
+        <p:txBody>
+          <a:bodyPr>
+            <a:normAutofit/>
+          </a:bodyPr>
+          <a:lstStyle/>
+          <a:p>
+            <a:r>
+              <a:rPr lang="en-US" sz="4000" dirty="0">
+                <a:latin typeface="+mn-lt"/>
+              </a:rPr>
+              <a:t>SQL- Structured Query Language</a:t>
+            </a:r>
+            <a:endParaRPr lang="en-US" sz="4000" dirty="0"/>
+          </a:p>
+        </p:txBody>
+      </p:sp>
+      <p:sp>
+        <p:nvSpPr>
+          <p:cNvPr id="3" name="Content Placeholder 2">
+            <a:extLst>
+              <a:ext uri="{FF2B5EF4-FFF2-40B4-BE49-F238E27FC236}">
+                <a16:creationId xmlns:a16="http://schemas.microsoft.com/office/drawing/2014/main" id="{EE19BF34-8CB5-4518-1833-A043EFA131E0}"/>
+              </a:ext>
+            </a:extLst>
+          </p:cNvPr>
+          <p:cNvSpPr>
+            <a:spLocks noGrp="1"/>
+          </p:cNvSpPr>
+          <p:nvPr>
+            <p:ph idx="1"/>
+          </p:nvPr>
+        </p:nvSpPr>
+        <p:spPr>
+          <a:xfrm>
+            <a:off x="628649" y="1825625"/>
+            <a:ext cx="8082731" cy="4351338"/>
+          </a:xfrm>
+        </p:spPr>
+        <p:txBody>
+          <a:bodyPr>
+            <a:normAutofit/>
+          </a:bodyPr>
+          <a:lstStyle/>
+          <a:p>
+            <a:pPr marL="0" indent="0">
+              <a:buNone/>
+            </a:pPr>
+            <a:r>
+              <a:rPr lang="en-US" dirty="0"/>
+              <a:t>SQL statements are divided into two major categories.</a:t>
+            </a:r>
+            <a:endParaRPr lang="en-US" u="sng" dirty="0"/>
+          </a:p>
+          <a:p>
+            <a:pPr marL="971550" lvl="1" indent="-514350">
+              <a:lnSpc>
+                <a:spcPct val="200000"/>
+              </a:lnSpc>
+              <a:buFont typeface="+mj-lt"/>
+              <a:buAutoNum type="arabicPeriod"/>
+            </a:pPr>
+            <a:r>
+              <a:rPr lang="en-US" sz="2800" u="sng" dirty="0"/>
+              <a:t>Data definition language (DDL)</a:t>
+            </a:r>
+          </a:p>
+          <a:p>
+            <a:pPr marL="971550" lvl="1" indent="-514350">
+              <a:lnSpc>
+                <a:spcPct val="200000"/>
+              </a:lnSpc>
+              <a:buFont typeface="+mj-lt"/>
+              <a:buAutoNum type="arabicPeriod"/>
+            </a:pPr>
+            <a:r>
+              <a:rPr lang="en-US" sz="2800" u="sng" dirty="0"/>
+              <a:t>Data manipulation language (DML)</a:t>
+            </a:r>
+            <a:endParaRPr lang="en-US" sz="2800" dirty="0"/>
+          </a:p>
+        </p:txBody>
+      </p:sp>
+    </p:spTree>
+    <p:extLst>
+      <p:ext uri="{BB962C8B-B14F-4D97-AF65-F5344CB8AC3E}">
+        <p14:creationId xmlns:p14="http://schemas.microsoft.com/office/powerpoint/2010/main" val="3094938205"/>
+      </p:ext>
+    </p:extLst>
+  </p:cSld>
+  <p:clrMapOvr>
+    <a:masterClrMapping/>
+  </p:clrMapOvr>
+</p:sld>
+</file>
+
+<file path=ppt/slides/slide30.xml><?xml version="1.0" encoding="utf-8"?>
+<p:sld xmlns:a="http://schemas.openxmlformats.org/drawingml/2006/main" xmlns:r="http://schemas.openxmlformats.org/officeDocument/2006/relationships" xmlns:p="http://schemas.openxmlformats.org/presentationml/2006/main">
+  <p:cSld>
+    <p:spTree>
+      <p:nvGrpSpPr>
+        <p:cNvPr id="1" name=""/>
+        <p:cNvGrpSpPr/>
+        <p:nvPr/>
+      </p:nvGrpSpPr>
+      <p:grpSpPr>
+        <a:xfrm>
+          <a:off x="0" y="0"/>
+          <a:ext cx="0" cy="0"/>
+          <a:chOff x="0" y="0"/>
+          <a:chExt cx="0" cy="0"/>
+        </a:xfrm>
+      </p:grpSpPr>
+      <p:sp>
+        <p:nvSpPr>
+          <p:cNvPr id="2" name="Title 1">
+            <a:extLst>
+              <a:ext uri="{FF2B5EF4-FFF2-40B4-BE49-F238E27FC236}">
+                <a16:creationId xmlns:a16="http://schemas.microsoft.com/office/drawing/2014/main" id="{1B0E7528-F0A1-EE48-D3FD-F2F7E07542CC}"/>
+              </a:ext>
+            </a:extLst>
+          </p:cNvPr>
+          <p:cNvSpPr>
+            <a:spLocks noGrp="1"/>
+          </p:cNvSpPr>
+          <p:nvPr>
+            <p:ph type="title"/>
+          </p:nvPr>
+        </p:nvSpPr>
         <p:spPr>
           <a:xfrm>
             <a:off x="405823" y="365126"/>
@@ -24562,8 +25406,8 @@
         </p:nvSpPr>
         <p:spPr>
           <a:xfrm>
-            <a:off x="4701253" y="4352822"/>
-            <a:ext cx="3814097" cy="1938992"/>
+            <a:off x="3864077" y="4352822"/>
+            <a:ext cx="4651273" cy="1938992"/>
           </a:xfrm>
           <a:prstGeom prst="rect">
             <a:avLst/>
@@ -24639,8 +25483,12 @@
               <a:t>DROP TABLE </a:t>
             </a:r>
             <a:r>
+              <a:rPr lang="en-US" sz="2400" dirty="0" err="1"/>
+              <a:t>student_details</a:t>
+            </a:r>
+            <a:r>
               <a:rPr lang="en-US" sz="2400" dirty="0"/>
-              <a:t>students;</a:t>
+              <a:t>;</a:t>
             </a:r>
           </a:p>
         </p:txBody>
@@ -24658,452 +25506,7 @@
 </p:sld>
 </file>
 
-<file path=ppt/slides/slide29.xml><?xml version="1.0" encoding="utf-8"?>
-<p:sld xmlns:a="http://schemas.openxmlformats.org/drawingml/2006/main" xmlns:r="http://schemas.openxmlformats.org/officeDocument/2006/relationships" xmlns:p="http://schemas.openxmlformats.org/presentationml/2006/main">
-  <p:cSld>
-    <p:spTree>
-      <p:nvGrpSpPr>
-        <p:cNvPr id="1" name=""/>
-        <p:cNvGrpSpPr/>
-        <p:nvPr/>
-      </p:nvGrpSpPr>
-      <p:grpSpPr>
-        <a:xfrm>
-          <a:off x="0" y="0"/>
-          <a:ext cx="0" cy="0"/>
-          <a:chOff x="0" y="0"/>
-          <a:chExt cx="0" cy="0"/>
-        </a:xfrm>
-      </p:grpSpPr>
-      <p:sp>
-        <p:nvSpPr>
-          <p:cNvPr id="2" name="Title 1">
-            <a:extLst>
-              <a:ext uri="{FF2B5EF4-FFF2-40B4-BE49-F238E27FC236}">
-                <a16:creationId xmlns:a16="http://schemas.microsoft.com/office/drawing/2014/main" id="{1B0E7528-F0A1-EE48-D3FD-F2F7E07542CC}"/>
-              </a:ext>
-            </a:extLst>
-          </p:cNvPr>
-          <p:cNvSpPr>
-            <a:spLocks noGrp="1"/>
-          </p:cNvSpPr>
-          <p:nvPr>
-            <p:ph type="title"/>
-          </p:nvPr>
-        </p:nvSpPr>
-        <p:spPr>
-          <a:xfrm>
-            <a:off x="382734" y="365126"/>
-            <a:ext cx="7886700" cy="1325563"/>
-          </a:xfrm>
-        </p:spPr>
-        <p:txBody>
-          <a:bodyPr>
-            <a:normAutofit/>
-          </a:bodyPr>
-          <a:lstStyle/>
-          <a:p>
-            <a:r>
-              <a:rPr lang="en-US" sz="4000" dirty="0">
-                <a:latin typeface="+mn-lt"/>
-              </a:rPr>
-              <a:t>Data definition language (DDL)</a:t>
-            </a:r>
-            <a:endParaRPr lang="en-US" sz="4000" dirty="0"/>
-          </a:p>
-        </p:txBody>
-      </p:sp>
-      <p:sp>
-        <p:nvSpPr>
-          <p:cNvPr id="5" name="Rectangle: Top Corners Rounded 4">
-            <a:extLst>
-              <a:ext uri="{FF2B5EF4-FFF2-40B4-BE49-F238E27FC236}">
-                <a16:creationId xmlns:a16="http://schemas.microsoft.com/office/drawing/2014/main" id="{F7B8CC30-D7B0-36B7-EE92-26AC5FA2CAF4}"/>
-              </a:ext>
-            </a:extLst>
-          </p:cNvPr>
-          <p:cNvSpPr/>
-          <p:nvPr/>
-        </p:nvSpPr>
-        <p:spPr>
-          <a:xfrm>
-            <a:off x="520152" y="1544719"/>
-            <a:ext cx="2350525" cy="501445"/>
-          </a:xfrm>
-          <a:prstGeom prst="round2SameRect">
-            <a:avLst/>
-          </a:prstGeom>
-          <a:solidFill>
-            <a:schemeClr val="accent1">
-              <a:lumMod val="50000"/>
-            </a:schemeClr>
-          </a:solidFill>
-        </p:spPr>
-        <p:style>
-          <a:lnRef idx="2">
-            <a:schemeClr val="accent1">
-              <a:shade val="50000"/>
-            </a:schemeClr>
-          </a:lnRef>
-          <a:fillRef idx="1">
-            <a:schemeClr val="accent1"/>
-          </a:fillRef>
-          <a:effectRef idx="0">
-            <a:schemeClr val="accent1"/>
-          </a:effectRef>
-          <a:fontRef idx="minor">
-            <a:schemeClr val="lt1"/>
-          </a:fontRef>
-        </p:style>
-        <p:txBody>
-          <a:bodyPr rtlCol="0" anchor="ctr"/>
-          <a:lstStyle/>
-          <a:p>
-            <a:pPr algn="ctr"/>
-            <a:r>
-              <a:rPr lang="en-US" sz="2800" dirty="0"/>
-              <a:t>TRUNCATE</a:t>
-            </a:r>
-          </a:p>
-        </p:txBody>
-      </p:sp>
-      <p:cxnSp>
-        <p:nvCxnSpPr>
-          <p:cNvPr id="9" name="Straight Connector 8">
-            <a:extLst>
-              <a:ext uri="{FF2B5EF4-FFF2-40B4-BE49-F238E27FC236}">
-                <a16:creationId xmlns:a16="http://schemas.microsoft.com/office/drawing/2014/main" id="{4225CC20-A767-84DD-7C43-FC175E2AF493}"/>
-              </a:ext>
-            </a:extLst>
-          </p:cNvPr>
-          <p:cNvCxnSpPr>
-            <a:cxnSpLocks/>
-          </p:cNvCxnSpPr>
-          <p:nvPr/>
-        </p:nvCxnSpPr>
-        <p:spPr>
-          <a:xfrm>
-            <a:off x="520152" y="2035277"/>
-            <a:ext cx="7995198" cy="0"/>
-          </a:xfrm>
-          <a:prstGeom prst="line">
-            <a:avLst/>
-          </a:prstGeom>
-          <a:ln>
-            <a:solidFill>
-              <a:schemeClr val="accent1">
-                <a:lumMod val="50000"/>
-              </a:schemeClr>
-            </a:solidFill>
-          </a:ln>
-        </p:spPr>
-        <p:style>
-          <a:lnRef idx="3">
-            <a:schemeClr val="accent1"/>
-          </a:lnRef>
-          <a:fillRef idx="0">
-            <a:schemeClr val="accent1"/>
-          </a:fillRef>
-          <a:effectRef idx="2">
-            <a:schemeClr val="accent1"/>
-          </a:effectRef>
-          <a:fontRef idx="minor">
-            <a:schemeClr val="tx1"/>
-          </a:fontRef>
-        </p:style>
-      </p:cxnSp>
-      <p:sp>
-        <p:nvSpPr>
-          <p:cNvPr id="4" name="TextBox 3">
-            <a:extLst>
-              <a:ext uri="{FF2B5EF4-FFF2-40B4-BE49-F238E27FC236}">
-                <a16:creationId xmlns:a16="http://schemas.microsoft.com/office/drawing/2014/main" id="{DA7C56EA-9E6A-A22B-DF7C-F502DA91532B}"/>
-              </a:ext>
-            </a:extLst>
-          </p:cNvPr>
-          <p:cNvSpPr txBox="1"/>
-          <p:nvPr/>
-        </p:nvSpPr>
-        <p:spPr>
-          <a:xfrm>
-            <a:off x="410497" y="2351782"/>
-            <a:ext cx="8323006" cy="2092881"/>
-          </a:xfrm>
-          <a:prstGeom prst="rect">
-            <a:avLst/>
-          </a:prstGeom>
-          <a:noFill/>
-        </p:spPr>
-        <p:txBody>
-          <a:bodyPr wrap="square">
-            <a:spAutoFit/>
-          </a:bodyPr>
-          <a:lstStyle/>
-          <a:p>
-            <a:pPr marL="457200" indent="-457200">
-              <a:buFont typeface="Arial" panose="020B0604020202020204" pitchFamily="34" charset="0"/>
-              <a:buChar char="•"/>
-            </a:pPr>
-            <a:r>
-              <a:rPr lang="en-US" sz="2600" dirty="0"/>
-              <a:t>TRUNCATE TABLE statement is used to delete the data inside a table, but not the table.</a:t>
-            </a:r>
-          </a:p>
-          <a:p>
-            <a:endParaRPr lang="en-US" sz="2600" dirty="0"/>
-          </a:p>
-          <a:p>
-            <a:pPr marL="457200" indent="-457200">
-              <a:buFont typeface="Arial" panose="020B0604020202020204" pitchFamily="34" charset="0"/>
-              <a:buChar char="•"/>
-            </a:pPr>
-            <a:r>
-              <a:rPr lang="en-US" sz="2600" dirty="0"/>
-              <a:t>It permanently removes records/observation from the table.</a:t>
-            </a:r>
-          </a:p>
-        </p:txBody>
-      </p:sp>
-      <p:sp>
-        <p:nvSpPr>
-          <p:cNvPr id="7" name="TextBox 6">
-            <a:extLst>
-              <a:ext uri="{FF2B5EF4-FFF2-40B4-BE49-F238E27FC236}">
-                <a16:creationId xmlns:a16="http://schemas.microsoft.com/office/drawing/2014/main" id="{2D0FD425-1DEC-12AD-A1DE-648F07612DE8}"/>
-              </a:ext>
-            </a:extLst>
-          </p:cNvPr>
-          <p:cNvSpPr txBox="1"/>
-          <p:nvPr/>
-        </p:nvSpPr>
-        <p:spPr>
-          <a:xfrm>
-            <a:off x="4203700" y="4352822"/>
-            <a:ext cx="4311650" cy="1938992"/>
-          </a:xfrm>
-          <a:prstGeom prst="rect">
-            <a:avLst/>
-          </a:prstGeom>
-          <a:solidFill>
-            <a:schemeClr val="bg2"/>
-          </a:solidFill>
-        </p:spPr>
-        <p:txBody>
-          <a:bodyPr wrap="square">
-            <a:spAutoFit/>
-          </a:bodyPr>
-          <a:lstStyle/>
-          <a:p>
-            <a:pPr marL="114300" indent="0">
-              <a:buNone/>
-            </a:pPr>
-            <a:r>
-              <a:rPr lang="en-US" sz="2400" i="1" u="sng" dirty="0"/>
-              <a:t>Syntax:</a:t>
-            </a:r>
-          </a:p>
-          <a:p>
-            <a:pPr marL="114300" indent="0">
-              <a:buNone/>
-            </a:pPr>
-            <a:r>
-              <a:rPr lang="en-US" sz="2400" dirty="0">
-                <a:solidFill>
-                  <a:srgbClr val="FF0000"/>
-                </a:solidFill>
-              </a:rPr>
-              <a:t>TRUNCATE  TABLE </a:t>
-            </a:r>
-            <a:r>
-              <a:rPr lang="en-US" sz="2400" dirty="0" err="1"/>
-              <a:t>table_name</a:t>
-            </a:r>
-            <a:r>
-              <a:rPr lang="en-US" sz="2400" dirty="0"/>
-              <a:t>;</a:t>
-            </a:r>
-          </a:p>
-          <a:p>
-            <a:pPr marL="114300" indent="0">
-              <a:buNone/>
-            </a:pPr>
-            <a:endParaRPr lang="en-US" sz="2400" dirty="0"/>
-          </a:p>
-          <a:p>
-            <a:pPr marL="114300" indent="0">
-              <a:buNone/>
-            </a:pPr>
-            <a:r>
-              <a:rPr lang="en-US" sz="2400" u="sng" dirty="0"/>
-              <a:t>Example</a:t>
-            </a:r>
-            <a:r>
-              <a:rPr lang="en-US" sz="2400" dirty="0"/>
-              <a:t>:</a:t>
-            </a:r>
-          </a:p>
-          <a:p>
-            <a:pPr marL="114300" indent="0">
-              <a:buNone/>
-            </a:pPr>
-            <a:r>
-              <a:rPr lang="en-US" sz="2400" dirty="0">
-                <a:solidFill>
-                  <a:srgbClr val="FF0000"/>
-                </a:solidFill>
-              </a:rPr>
-              <a:t>TRUNCATE  TABLE </a:t>
-            </a:r>
-            <a:r>
-              <a:rPr lang="en-US" sz="2400" dirty="0"/>
-              <a:t>students;</a:t>
-            </a:r>
-          </a:p>
-        </p:txBody>
-      </p:sp>
-    </p:spTree>
-    <p:extLst>
-      <p:ext uri="{BB962C8B-B14F-4D97-AF65-F5344CB8AC3E}">
-        <p14:creationId xmlns:p14="http://schemas.microsoft.com/office/powerpoint/2010/main" val="2264151483"/>
-      </p:ext>
-    </p:extLst>
-  </p:cSld>
-  <p:clrMapOvr>
-    <a:masterClrMapping/>
-  </p:clrMapOvr>
-</p:sld>
-</file>
-
-<file path=ppt/slides/slide3.xml><?xml version="1.0" encoding="utf-8"?>
-<p:sld xmlns:a="http://schemas.openxmlformats.org/drawingml/2006/main" xmlns:r="http://schemas.openxmlformats.org/officeDocument/2006/relationships" xmlns:p="http://schemas.openxmlformats.org/presentationml/2006/main">
-  <p:cSld>
-    <p:spTree>
-      <p:nvGrpSpPr>
-        <p:cNvPr id="1" name=""/>
-        <p:cNvGrpSpPr/>
-        <p:nvPr/>
-      </p:nvGrpSpPr>
-      <p:grpSpPr>
-        <a:xfrm>
-          <a:off x="0" y="0"/>
-          <a:ext cx="0" cy="0"/>
-          <a:chOff x="0" y="0"/>
-          <a:chExt cx="0" cy="0"/>
-        </a:xfrm>
-      </p:grpSpPr>
-      <p:sp>
-        <p:nvSpPr>
-          <p:cNvPr id="2" name="Title 1">
-            <a:extLst>
-              <a:ext uri="{FF2B5EF4-FFF2-40B4-BE49-F238E27FC236}">
-                <a16:creationId xmlns:a16="http://schemas.microsoft.com/office/drawing/2014/main" id="{7365FF75-4868-2BF1-9AC8-230C30F8A3E7}"/>
-              </a:ext>
-            </a:extLst>
-          </p:cNvPr>
-          <p:cNvSpPr>
-            <a:spLocks noGrp="1"/>
-          </p:cNvSpPr>
-          <p:nvPr>
-            <p:ph type="title"/>
-          </p:nvPr>
-        </p:nvSpPr>
-        <p:spPr/>
-        <p:txBody>
-          <a:bodyPr>
-            <a:normAutofit/>
-          </a:bodyPr>
-          <a:lstStyle/>
-          <a:p>
-            <a:r>
-              <a:rPr lang="en-US" sz="4000" dirty="0">
-                <a:latin typeface="+mn-lt"/>
-              </a:rPr>
-              <a:t>SQL- Structured Query Language</a:t>
-            </a:r>
-            <a:endParaRPr lang="en-US" sz="4000" dirty="0"/>
-          </a:p>
-        </p:txBody>
-      </p:sp>
-      <p:sp>
-        <p:nvSpPr>
-          <p:cNvPr id="3" name="Content Placeholder 2">
-            <a:extLst>
-              <a:ext uri="{FF2B5EF4-FFF2-40B4-BE49-F238E27FC236}">
-                <a16:creationId xmlns:a16="http://schemas.microsoft.com/office/drawing/2014/main" id="{EE19BF34-8CB5-4518-1833-A043EFA131E0}"/>
-              </a:ext>
-            </a:extLst>
-          </p:cNvPr>
-          <p:cNvSpPr>
-            <a:spLocks noGrp="1"/>
-          </p:cNvSpPr>
-          <p:nvPr>
-            <p:ph idx="1"/>
-          </p:nvPr>
-        </p:nvSpPr>
-        <p:spPr>
-          <a:xfrm>
-            <a:off x="628649" y="1825625"/>
-            <a:ext cx="8082731" cy="4351338"/>
-          </a:xfrm>
-        </p:spPr>
-        <p:txBody>
-          <a:bodyPr>
-            <a:normAutofit/>
-          </a:bodyPr>
-          <a:lstStyle/>
-          <a:p>
-            <a:pPr marL="0" indent="0">
-              <a:buNone/>
-            </a:pPr>
-            <a:r>
-              <a:rPr lang="en-US" dirty="0"/>
-              <a:t>SQL statements are divided into two major categories.</a:t>
-            </a:r>
-            <a:endParaRPr lang="en-US" u="sng" dirty="0"/>
-          </a:p>
-          <a:p>
-            <a:pPr marL="971550" lvl="1" indent="-514350">
-              <a:lnSpc>
-                <a:spcPct val="200000"/>
-              </a:lnSpc>
-              <a:buFont typeface="+mj-lt"/>
-              <a:buAutoNum type="arabicPeriod"/>
-            </a:pPr>
-            <a:r>
-              <a:rPr lang="en-US" sz="2800" u="sng" dirty="0"/>
-              <a:t>Data definition language (DDL)</a:t>
-            </a:r>
-          </a:p>
-          <a:p>
-            <a:pPr marL="971550" lvl="1" indent="-514350">
-              <a:lnSpc>
-                <a:spcPct val="200000"/>
-              </a:lnSpc>
-              <a:buFont typeface="+mj-lt"/>
-              <a:buAutoNum type="arabicPeriod"/>
-            </a:pPr>
-            <a:r>
-              <a:rPr lang="en-US" sz="2800" u="sng" dirty="0"/>
-              <a:t>Data manipulation language (DML)</a:t>
-            </a:r>
-            <a:endParaRPr lang="en-US" sz="2800" dirty="0"/>
-          </a:p>
-        </p:txBody>
-      </p:sp>
-    </p:spTree>
-    <p:extLst>
-      <p:ext uri="{BB962C8B-B14F-4D97-AF65-F5344CB8AC3E}">
-        <p14:creationId xmlns:p14="http://schemas.microsoft.com/office/powerpoint/2010/main" val="3094938205"/>
-      </p:ext>
-    </p:extLst>
-  </p:cSld>
-  <p:clrMapOvr>
-    <a:masterClrMapping/>
-  </p:clrMapOvr>
-</p:sld>
-</file>
-
-<file path=ppt/slides/slide30.xml><?xml version="1.0" encoding="utf-8"?>
+<file path=ppt/slides/slide31.xml><?xml version="1.0" encoding="utf-8"?>
 <p:sld xmlns:a="http://schemas.openxmlformats.org/drawingml/2006/main" xmlns:r="http://schemas.openxmlformats.org/officeDocument/2006/relationships" xmlns:p="http://schemas.openxmlformats.org/presentationml/2006/main">
   <p:cSld>
     <p:spTree>
@@ -25357,7 +25760,7 @@
 </p:sld>
 </file>
 
-<file path=ppt/slides/slide31.xml><?xml version="1.0" encoding="utf-8"?>
+<file path=ppt/slides/slide32.xml><?xml version="1.0" encoding="utf-8"?>
 <p:sld xmlns:a="http://schemas.openxmlformats.org/drawingml/2006/main" xmlns:r="http://schemas.openxmlformats.org/officeDocument/2006/relationships" xmlns:p="http://schemas.openxmlformats.org/presentationml/2006/main">
   <p:cSld>
     <p:spTree>
@@ -25696,7 +26099,7 @@
 </p:sld>
 </file>
 
-<file path=ppt/slides/slide32.xml><?xml version="1.0" encoding="utf-8"?>
+<file path=ppt/slides/slide33.xml><?xml version="1.0" encoding="utf-8"?>
 <p:sld xmlns:a="http://schemas.openxmlformats.org/drawingml/2006/main" xmlns:r="http://schemas.openxmlformats.org/officeDocument/2006/relationships" xmlns:p="http://schemas.openxmlformats.org/presentationml/2006/main">
   <p:cSld>
     <p:spTree>
@@ -25912,7 +26315,7 @@
 </p:sld>
 </file>
 
-<file path=ppt/slides/slide33.xml><?xml version="1.0" encoding="utf-8"?>
+<file path=ppt/slides/slide34.xml><?xml version="1.0" encoding="utf-8"?>
 <p:sld xmlns:a="http://schemas.openxmlformats.org/drawingml/2006/main" xmlns:r="http://schemas.openxmlformats.org/officeDocument/2006/relationships" xmlns:p="http://schemas.openxmlformats.org/presentationml/2006/main">
   <p:cSld>
     <p:spTree>
@@ -26224,7 +26627,7 @@
 </p:sld>
 </file>
 
-<file path=ppt/slides/slide34.xml><?xml version="1.0" encoding="utf-8"?>
+<file path=ppt/slides/slide35.xml><?xml version="1.0" encoding="utf-8"?>
 <p:sld xmlns:a="http://schemas.openxmlformats.org/drawingml/2006/main" xmlns:r="http://schemas.openxmlformats.org/officeDocument/2006/relationships" xmlns:p="http://schemas.openxmlformats.org/presentationml/2006/main">
   <p:cSld>
     <p:spTree>
@@ -26536,7 +26939,7 @@
 </p:sld>
 </file>
 
-<file path=ppt/slides/slide35.xml><?xml version="1.0" encoding="utf-8"?>
+<file path=ppt/slides/slide36.xml><?xml version="1.0" encoding="utf-8"?>
 <p:sld xmlns:a="http://schemas.openxmlformats.org/drawingml/2006/main" xmlns:r="http://schemas.openxmlformats.org/officeDocument/2006/relationships" xmlns:p="http://schemas.openxmlformats.org/presentationml/2006/main">
   <p:cSld>
     <p:spTree>
@@ -26870,7 +27273,7 @@
 </p:sld>
 </file>
 
-<file path=ppt/slides/slide36.xml><?xml version="1.0" encoding="utf-8"?>
+<file path=ppt/slides/slide37.xml><?xml version="1.0" encoding="utf-8"?>
 <p:sld xmlns:a="http://schemas.openxmlformats.org/drawingml/2006/main" xmlns:r="http://schemas.openxmlformats.org/officeDocument/2006/relationships" xmlns:p="http://schemas.openxmlformats.org/presentationml/2006/main">
   <p:cSld>
     <p:spTree>
@@ -27369,7 +27772,7 @@
 </p:sld>
 </file>
 
-<file path=ppt/slides/slide37.xml><?xml version="1.0" encoding="utf-8"?>
+<file path=ppt/slides/slide38.xml><?xml version="1.0" encoding="utf-8"?>
 <p:sld xmlns:a="http://schemas.openxmlformats.org/drawingml/2006/main" xmlns:r="http://schemas.openxmlformats.org/officeDocument/2006/relationships" xmlns:p="http://schemas.openxmlformats.org/presentationml/2006/main">
   <p:cSld>
     <p:spTree>
@@ -27752,7 +28155,7 @@
 </p:sld>
 </file>
 
-<file path=ppt/slides/slide38.xml><?xml version="1.0" encoding="utf-8"?>
+<file path=ppt/slides/slide39.xml><?xml version="1.0" encoding="utf-8"?>
 <p:sld xmlns:a="http://schemas.openxmlformats.org/drawingml/2006/main" xmlns:r="http://schemas.openxmlformats.org/officeDocument/2006/relationships" xmlns:p="http://schemas.openxmlformats.org/presentationml/2006/main">
   <p:cSld>
     <p:spTree>
@@ -28043,7 +28446,163 @@
 </p:sld>
 </file>
 
-<file path=ppt/slides/slide39.xml><?xml version="1.0" encoding="utf-8"?>
+<file path=ppt/slides/slide4.xml><?xml version="1.0" encoding="utf-8"?>
+<p:sld xmlns:a="http://schemas.openxmlformats.org/drawingml/2006/main" xmlns:r="http://schemas.openxmlformats.org/officeDocument/2006/relationships" xmlns:p="http://schemas.openxmlformats.org/presentationml/2006/main">
+  <p:cSld>
+    <p:spTree>
+      <p:nvGrpSpPr>
+        <p:cNvPr id="1" name=""/>
+        <p:cNvGrpSpPr/>
+        <p:nvPr/>
+      </p:nvGrpSpPr>
+      <p:grpSpPr>
+        <a:xfrm>
+          <a:off x="0" y="0"/>
+          <a:ext cx="0" cy="0"/>
+          <a:chOff x="0" y="0"/>
+          <a:chExt cx="0" cy="0"/>
+        </a:xfrm>
+      </p:grpSpPr>
+      <p:sp>
+        <p:nvSpPr>
+          <p:cNvPr id="2" name="Title 1">
+            <a:extLst>
+              <a:ext uri="{FF2B5EF4-FFF2-40B4-BE49-F238E27FC236}">
+                <a16:creationId xmlns:a16="http://schemas.microsoft.com/office/drawing/2014/main" id="{7365FF75-4868-2BF1-9AC8-230C30F8A3E7}"/>
+              </a:ext>
+            </a:extLst>
+          </p:cNvPr>
+          <p:cNvSpPr>
+            <a:spLocks noGrp="1"/>
+          </p:cNvSpPr>
+          <p:nvPr>
+            <p:ph type="title"/>
+          </p:nvPr>
+        </p:nvSpPr>
+        <p:spPr>
+          <a:xfrm>
+            <a:off x="806453" y="365126"/>
+            <a:ext cx="7886700" cy="1325563"/>
+          </a:xfrm>
+        </p:spPr>
+        <p:txBody>
+          <a:bodyPr>
+            <a:normAutofit/>
+          </a:bodyPr>
+          <a:lstStyle/>
+          <a:p>
+            <a:r>
+              <a:rPr lang="en-US" sz="4000" dirty="0">
+                <a:latin typeface="+mn-lt"/>
+              </a:rPr>
+              <a:t>Data definition language (DDL)</a:t>
+            </a:r>
+            <a:endParaRPr lang="en-US" sz="4000" dirty="0"/>
+          </a:p>
+        </p:txBody>
+      </p:sp>
+      <p:sp>
+        <p:nvSpPr>
+          <p:cNvPr id="18" name="TextBox 17">
+            <a:extLst>
+              <a:ext uri="{FF2B5EF4-FFF2-40B4-BE49-F238E27FC236}">
+                <a16:creationId xmlns:a16="http://schemas.microsoft.com/office/drawing/2014/main" id="{9E4C2393-C535-0D3C-19A6-099F5FEDDA45}"/>
+              </a:ext>
+            </a:extLst>
+          </p:cNvPr>
+          <p:cNvSpPr txBox="1"/>
+          <p:nvPr/>
+        </p:nvSpPr>
+        <p:spPr>
+          <a:xfrm>
+            <a:off x="393762" y="2104916"/>
+            <a:ext cx="7886700" cy="2893100"/>
+          </a:xfrm>
+          <a:prstGeom prst="rect">
+            <a:avLst/>
+          </a:prstGeom>
+          <a:noFill/>
+        </p:spPr>
+        <p:txBody>
+          <a:bodyPr wrap="square">
+            <a:spAutoFit/>
+          </a:bodyPr>
+          <a:lstStyle/>
+          <a:p>
+            <a:pPr marL="800100" lvl="1" indent="-342900">
+              <a:lnSpc>
+                <a:spcPct val="100000"/>
+              </a:lnSpc>
+              <a:buFont typeface="Wingdings" panose="05000000000000000000" pitchFamily="2" charset="2"/>
+              <a:buChar char="ü"/>
+            </a:pPr>
+            <a:r>
+              <a:rPr lang="en-US" sz="2600" dirty="0"/>
+              <a:t>DDL statements are used to build and modify the structure of tables in the database.</a:t>
+            </a:r>
+          </a:p>
+          <a:p>
+            <a:pPr marL="800100" lvl="1" indent="-342900">
+              <a:lnSpc>
+                <a:spcPct val="100000"/>
+              </a:lnSpc>
+              <a:buFont typeface="Wingdings" panose="05000000000000000000" pitchFamily="2" charset="2"/>
+              <a:buChar char="ü"/>
+            </a:pPr>
+            <a:endParaRPr lang="en-US" sz="2600" dirty="0"/>
+          </a:p>
+          <a:p>
+            <a:pPr marL="800100" lvl="1" indent="-342900">
+              <a:lnSpc>
+                <a:spcPct val="100000"/>
+              </a:lnSpc>
+              <a:buFont typeface="Wingdings" panose="05000000000000000000" pitchFamily="2" charset="2"/>
+              <a:buChar char="ü"/>
+            </a:pPr>
+            <a:r>
+              <a:rPr lang="en-US" sz="2600" dirty="0"/>
+              <a:t>When you execute a DDL statement, it takes effect immediately.</a:t>
+            </a:r>
+          </a:p>
+          <a:p>
+            <a:pPr marL="800100" lvl="1" indent="-342900">
+              <a:lnSpc>
+                <a:spcPct val="100000"/>
+              </a:lnSpc>
+              <a:buFont typeface="Wingdings" panose="05000000000000000000" pitchFamily="2" charset="2"/>
+              <a:buChar char="ü"/>
+            </a:pPr>
+            <a:endParaRPr lang="en-US" sz="2600" dirty="0"/>
+          </a:p>
+          <a:p>
+            <a:pPr marL="800100" lvl="1" indent="-342900">
+              <a:lnSpc>
+                <a:spcPct val="100000"/>
+              </a:lnSpc>
+              <a:buFont typeface="Wingdings" panose="05000000000000000000" pitchFamily="2" charset="2"/>
+              <a:buChar char="ü"/>
+            </a:pPr>
+            <a:r>
+              <a:rPr lang="en-US" sz="2600" dirty="0"/>
+              <a:t>It is also known as data descriptive language.</a:t>
+            </a:r>
+          </a:p>
+        </p:txBody>
+      </p:sp>
+    </p:spTree>
+    <p:extLst>
+      <p:ext uri="{BB962C8B-B14F-4D97-AF65-F5344CB8AC3E}">
+        <p14:creationId xmlns:p14="http://schemas.microsoft.com/office/powerpoint/2010/main" val="686019961"/>
+      </p:ext>
+    </p:extLst>
+  </p:cSld>
+  <p:clrMapOvr>
+    <a:masterClrMapping/>
+  </p:clrMapOvr>
+</p:sld>
+</file>
+
+<file path=ppt/slides/slide40.xml><?xml version="1.0" encoding="utf-8"?>
 <p:sld xmlns:a="http://schemas.openxmlformats.org/drawingml/2006/main" xmlns:r="http://schemas.openxmlformats.org/officeDocument/2006/relationships" xmlns:p="http://schemas.openxmlformats.org/presentationml/2006/main">
   <p:cSld>
     <p:spTree>
@@ -28397,163 +28956,7 @@
 </p:sld>
 </file>
 
-<file path=ppt/slides/slide4.xml><?xml version="1.0" encoding="utf-8"?>
-<p:sld xmlns:a="http://schemas.openxmlformats.org/drawingml/2006/main" xmlns:r="http://schemas.openxmlformats.org/officeDocument/2006/relationships" xmlns:p="http://schemas.openxmlformats.org/presentationml/2006/main">
-  <p:cSld>
-    <p:spTree>
-      <p:nvGrpSpPr>
-        <p:cNvPr id="1" name=""/>
-        <p:cNvGrpSpPr/>
-        <p:nvPr/>
-      </p:nvGrpSpPr>
-      <p:grpSpPr>
-        <a:xfrm>
-          <a:off x="0" y="0"/>
-          <a:ext cx="0" cy="0"/>
-          <a:chOff x="0" y="0"/>
-          <a:chExt cx="0" cy="0"/>
-        </a:xfrm>
-      </p:grpSpPr>
-      <p:sp>
-        <p:nvSpPr>
-          <p:cNvPr id="2" name="Title 1">
-            <a:extLst>
-              <a:ext uri="{FF2B5EF4-FFF2-40B4-BE49-F238E27FC236}">
-                <a16:creationId xmlns:a16="http://schemas.microsoft.com/office/drawing/2014/main" id="{7365FF75-4868-2BF1-9AC8-230C30F8A3E7}"/>
-              </a:ext>
-            </a:extLst>
-          </p:cNvPr>
-          <p:cNvSpPr>
-            <a:spLocks noGrp="1"/>
-          </p:cNvSpPr>
-          <p:nvPr>
-            <p:ph type="title"/>
-          </p:nvPr>
-        </p:nvSpPr>
-        <p:spPr>
-          <a:xfrm>
-            <a:off x="806453" y="365126"/>
-            <a:ext cx="7886700" cy="1325563"/>
-          </a:xfrm>
-        </p:spPr>
-        <p:txBody>
-          <a:bodyPr>
-            <a:normAutofit/>
-          </a:bodyPr>
-          <a:lstStyle/>
-          <a:p>
-            <a:r>
-              <a:rPr lang="en-US" sz="4000" dirty="0">
-                <a:latin typeface="+mn-lt"/>
-              </a:rPr>
-              <a:t>Data definition language (DDL)</a:t>
-            </a:r>
-            <a:endParaRPr lang="en-US" sz="4000" dirty="0"/>
-          </a:p>
-        </p:txBody>
-      </p:sp>
-      <p:sp>
-        <p:nvSpPr>
-          <p:cNvPr id="18" name="TextBox 17">
-            <a:extLst>
-              <a:ext uri="{FF2B5EF4-FFF2-40B4-BE49-F238E27FC236}">
-                <a16:creationId xmlns:a16="http://schemas.microsoft.com/office/drawing/2014/main" id="{9E4C2393-C535-0D3C-19A6-099F5FEDDA45}"/>
-              </a:ext>
-            </a:extLst>
-          </p:cNvPr>
-          <p:cNvSpPr txBox="1"/>
-          <p:nvPr/>
-        </p:nvSpPr>
-        <p:spPr>
-          <a:xfrm>
-            <a:off x="393762" y="2104916"/>
-            <a:ext cx="7886700" cy="2893100"/>
-          </a:xfrm>
-          <a:prstGeom prst="rect">
-            <a:avLst/>
-          </a:prstGeom>
-          <a:noFill/>
-        </p:spPr>
-        <p:txBody>
-          <a:bodyPr wrap="square">
-            <a:spAutoFit/>
-          </a:bodyPr>
-          <a:lstStyle/>
-          <a:p>
-            <a:pPr marL="800100" lvl="1" indent="-342900">
-              <a:lnSpc>
-                <a:spcPct val="100000"/>
-              </a:lnSpc>
-              <a:buFont typeface="Wingdings" panose="05000000000000000000" pitchFamily="2" charset="2"/>
-              <a:buChar char="ü"/>
-            </a:pPr>
-            <a:r>
-              <a:rPr lang="en-US" sz="2600" dirty="0"/>
-              <a:t>DDL statements are used to build and modify the structure of tables in the database.</a:t>
-            </a:r>
-          </a:p>
-          <a:p>
-            <a:pPr marL="800100" lvl="1" indent="-342900">
-              <a:lnSpc>
-                <a:spcPct val="100000"/>
-              </a:lnSpc>
-              <a:buFont typeface="Wingdings" panose="05000000000000000000" pitchFamily="2" charset="2"/>
-              <a:buChar char="ü"/>
-            </a:pPr>
-            <a:endParaRPr lang="en-US" sz="2600" dirty="0"/>
-          </a:p>
-          <a:p>
-            <a:pPr marL="800100" lvl="1" indent="-342900">
-              <a:lnSpc>
-                <a:spcPct val="100000"/>
-              </a:lnSpc>
-              <a:buFont typeface="Wingdings" panose="05000000000000000000" pitchFamily="2" charset="2"/>
-              <a:buChar char="ü"/>
-            </a:pPr>
-            <a:r>
-              <a:rPr lang="en-US" sz="2600" dirty="0"/>
-              <a:t>When you execute a DDL statement, it takes effect immediately.</a:t>
-            </a:r>
-          </a:p>
-          <a:p>
-            <a:pPr marL="800100" lvl="1" indent="-342900">
-              <a:lnSpc>
-                <a:spcPct val="100000"/>
-              </a:lnSpc>
-              <a:buFont typeface="Wingdings" panose="05000000000000000000" pitchFamily="2" charset="2"/>
-              <a:buChar char="ü"/>
-            </a:pPr>
-            <a:endParaRPr lang="en-US" sz="2600" dirty="0"/>
-          </a:p>
-          <a:p>
-            <a:pPr marL="800100" lvl="1" indent="-342900">
-              <a:lnSpc>
-                <a:spcPct val="100000"/>
-              </a:lnSpc>
-              <a:buFont typeface="Wingdings" panose="05000000000000000000" pitchFamily="2" charset="2"/>
-              <a:buChar char="ü"/>
-            </a:pPr>
-            <a:r>
-              <a:rPr lang="en-US" sz="2600" dirty="0"/>
-              <a:t>It is also known as data descriptive language.</a:t>
-            </a:r>
-          </a:p>
-        </p:txBody>
-      </p:sp>
-    </p:spTree>
-    <p:extLst>
-      <p:ext uri="{BB962C8B-B14F-4D97-AF65-F5344CB8AC3E}">
-        <p14:creationId xmlns:p14="http://schemas.microsoft.com/office/powerpoint/2010/main" val="686019961"/>
-      </p:ext>
-    </p:extLst>
-  </p:cSld>
-  <p:clrMapOvr>
-    <a:masterClrMapping/>
-  </p:clrMapOvr>
-</p:sld>
-</file>
-
-<file path=ppt/slides/slide40.xml><?xml version="1.0" encoding="utf-8"?>
+<file path=ppt/slides/slide41.xml><?xml version="1.0" encoding="utf-8"?>
 <p:sld xmlns:a="http://schemas.openxmlformats.org/drawingml/2006/main" xmlns:r="http://schemas.openxmlformats.org/officeDocument/2006/relationships" xmlns:p="http://schemas.openxmlformats.org/presentationml/2006/main">
   <p:cSld>
     <p:spTree>
@@ -28970,7 +29373,7 @@
 </p:sld>
 </file>
 
-<file path=ppt/slides/slide41.xml><?xml version="1.0" encoding="utf-8"?>
+<file path=ppt/slides/slide42.xml><?xml version="1.0" encoding="utf-8"?>
 <p:sld xmlns:a="http://schemas.openxmlformats.org/drawingml/2006/main" xmlns:r="http://schemas.openxmlformats.org/officeDocument/2006/relationships" xmlns:p="http://schemas.openxmlformats.org/presentationml/2006/main">
   <p:cSld>
     <p:spTree>
@@ -29458,7 +29861,7 @@
 </p:sld>
 </file>
 
-<file path=ppt/slides/slide42.xml><?xml version="1.0" encoding="utf-8"?>
+<file path=ppt/slides/slide43.xml><?xml version="1.0" encoding="utf-8"?>
 <p:sld xmlns:a="http://schemas.openxmlformats.org/drawingml/2006/main" xmlns:r="http://schemas.openxmlformats.org/officeDocument/2006/relationships" xmlns:p="http://schemas.openxmlformats.org/presentationml/2006/main">
   <p:cSld>
     <p:spTree>
@@ -29990,7 +30393,7 @@
 </p:sld>
 </file>
 
-<file path=ppt/slides/slide43.xml><?xml version="1.0" encoding="utf-8"?>
+<file path=ppt/slides/slide44.xml><?xml version="1.0" encoding="utf-8"?>
 <p:sld xmlns:a="http://schemas.openxmlformats.org/drawingml/2006/main" xmlns:r="http://schemas.openxmlformats.org/officeDocument/2006/relationships" xmlns:p="http://schemas.openxmlformats.org/presentationml/2006/main">
   <p:cSld>
     <p:spTree>
@@ -30395,7 +30798,7 @@
 </p:sld>
 </file>
 
-<file path=ppt/slides/slide44.xml><?xml version="1.0" encoding="utf-8"?>
+<file path=ppt/slides/slide45.xml><?xml version="1.0" encoding="utf-8"?>
 <p:sld xmlns:a="http://schemas.openxmlformats.org/drawingml/2006/main" xmlns:r="http://schemas.openxmlformats.org/officeDocument/2006/relationships" xmlns:p="http://schemas.openxmlformats.org/presentationml/2006/main">
   <p:cSld>
     <p:spTree>
@@ -31822,7 +32225,7 @@
 </p:sld>
 </file>
 
-<file path=ppt/slides/slide45.xml><?xml version="1.0" encoding="utf-8"?>
+<file path=ppt/slides/slide46.xml><?xml version="1.0" encoding="utf-8"?>
 <p:sld xmlns:a="http://schemas.openxmlformats.org/drawingml/2006/main" xmlns:r="http://schemas.openxmlformats.org/officeDocument/2006/relationships" xmlns:p="http://schemas.openxmlformats.org/presentationml/2006/main">
   <p:cSld>
     <p:spTree>
@@ -32158,7 +32561,7 @@
 </p:sld>
 </file>
 
-<file path=ppt/slides/slide46.xml><?xml version="1.0" encoding="utf-8"?>
+<file path=ppt/slides/slide47.xml><?xml version="1.0" encoding="utf-8"?>
 <p:sld xmlns:a="http://schemas.openxmlformats.org/drawingml/2006/main" xmlns:r="http://schemas.openxmlformats.org/officeDocument/2006/relationships" xmlns:p="http://schemas.openxmlformats.org/presentationml/2006/main">
   <p:cSld>
     <p:spTree>
@@ -32637,7 +33040,7 @@
 </p:sld>
 </file>
 
-<file path=ppt/slides/slide47.xml><?xml version="1.0" encoding="utf-8"?>
+<file path=ppt/slides/slide48.xml><?xml version="1.0" encoding="utf-8"?>
 <p:sld xmlns:a="http://schemas.openxmlformats.org/drawingml/2006/main" xmlns:r="http://schemas.openxmlformats.org/officeDocument/2006/relationships" xmlns:p="http://schemas.openxmlformats.org/presentationml/2006/main">
   <p:cSld>
     <p:spTree>
@@ -32883,7 +33286,7 @@
 </p:sld>
 </file>
 
-<file path=ppt/slides/slide48.xml><?xml version="1.0" encoding="utf-8"?>
+<file path=ppt/slides/slide49.xml><?xml version="1.0" encoding="utf-8"?>
 <p:sld xmlns:a="http://schemas.openxmlformats.org/drawingml/2006/main" xmlns:r="http://schemas.openxmlformats.org/officeDocument/2006/relationships" xmlns:p="http://schemas.openxmlformats.org/presentationml/2006/main">
   <p:cSld>
     <p:spTree>
@@ -33388,225 +33791,6 @@
     <p:extLst>
       <p:ext uri="{BB962C8B-B14F-4D97-AF65-F5344CB8AC3E}">
         <p14:creationId xmlns:p14="http://schemas.microsoft.com/office/powerpoint/2010/main" val="1536352804"/>
-      </p:ext>
-    </p:extLst>
-  </p:cSld>
-  <p:clrMapOvr>
-    <a:masterClrMapping/>
-  </p:clrMapOvr>
-</p:sld>
-</file>
-
-<file path=ppt/slides/slide49.xml><?xml version="1.0" encoding="utf-8"?>
-<p:sld xmlns:a="http://schemas.openxmlformats.org/drawingml/2006/main" xmlns:r="http://schemas.openxmlformats.org/officeDocument/2006/relationships" xmlns:p="http://schemas.openxmlformats.org/presentationml/2006/main">
-  <p:cSld>
-    <p:spTree>
-      <p:nvGrpSpPr>
-        <p:cNvPr id="1" name=""/>
-        <p:cNvGrpSpPr/>
-        <p:nvPr/>
-      </p:nvGrpSpPr>
-      <p:grpSpPr>
-        <a:xfrm>
-          <a:off x="0" y="0"/>
-          <a:ext cx="0" cy="0"/>
-          <a:chOff x="0" y="0"/>
-          <a:chExt cx="0" cy="0"/>
-        </a:xfrm>
-      </p:grpSpPr>
-      <p:sp>
-        <p:nvSpPr>
-          <p:cNvPr id="2" name="Title 1">
-            <a:extLst>
-              <a:ext uri="{FF2B5EF4-FFF2-40B4-BE49-F238E27FC236}">
-                <a16:creationId xmlns:a16="http://schemas.microsoft.com/office/drawing/2014/main" id="{1B0E7528-F0A1-EE48-D3FD-F2F7E07542CC}"/>
-              </a:ext>
-            </a:extLst>
-          </p:cNvPr>
-          <p:cNvSpPr>
-            <a:spLocks noGrp="1"/>
-          </p:cNvSpPr>
-          <p:nvPr>
-            <p:ph type="title"/>
-          </p:nvPr>
-        </p:nvSpPr>
-        <p:spPr>
-          <a:xfrm>
-            <a:off x="520152" y="374651"/>
-            <a:ext cx="8108951" cy="1325563"/>
-          </a:xfrm>
-        </p:spPr>
-        <p:txBody>
-          <a:bodyPr>
-            <a:normAutofit/>
-          </a:bodyPr>
-          <a:lstStyle/>
-          <a:p>
-            <a:r>
-              <a:rPr lang="en-US" sz="4000" dirty="0">
-                <a:latin typeface="+mn-lt"/>
-              </a:rPr>
-              <a:t>GROUP BY with HAVING</a:t>
-            </a:r>
-            <a:endParaRPr lang="en-US" sz="4000" dirty="0"/>
-          </a:p>
-        </p:txBody>
-      </p:sp>
-      <p:sp>
-        <p:nvSpPr>
-          <p:cNvPr id="5" name="Rectangle: Top Corners Rounded 4">
-            <a:extLst>
-              <a:ext uri="{FF2B5EF4-FFF2-40B4-BE49-F238E27FC236}">
-                <a16:creationId xmlns:a16="http://schemas.microsoft.com/office/drawing/2014/main" id="{F7B8CC30-D7B0-36B7-EE92-26AC5FA2CAF4}"/>
-              </a:ext>
-            </a:extLst>
-          </p:cNvPr>
-          <p:cNvSpPr/>
-          <p:nvPr/>
-        </p:nvSpPr>
-        <p:spPr>
-          <a:xfrm>
-            <a:off x="520152" y="1544719"/>
-            <a:ext cx="3566073" cy="501445"/>
-          </a:xfrm>
-          <a:prstGeom prst="round2SameRect">
-            <a:avLst/>
-          </a:prstGeom>
-          <a:solidFill>
-            <a:schemeClr val="accent1">
-              <a:lumMod val="50000"/>
-            </a:schemeClr>
-          </a:solidFill>
-        </p:spPr>
-        <p:style>
-          <a:lnRef idx="2">
-            <a:schemeClr val="accent1">
-              <a:shade val="50000"/>
-            </a:schemeClr>
-          </a:lnRef>
-          <a:fillRef idx="1">
-            <a:schemeClr val="accent1"/>
-          </a:fillRef>
-          <a:effectRef idx="0">
-            <a:schemeClr val="accent1"/>
-          </a:effectRef>
-          <a:fontRef idx="minor">
-            <a:schemeClr val="lt1"/>
-          </a:fontRef>
-        </p:style>
-        <p:txBody>
-          <a:bodyPr rtlCol="0" anchor="ctr"/>
-          <a:lstStyle/>
-          <a:p>
-            <a:r>
-              <a:rPr lang="en-US" sz="2800" dirty="0"/>
-              <a:t>Aggregation</a:t>
-            </a:r>
-          </a:p>
-        </p:txBody>
-      </p:sp>
-      <p:cxnSp>
-        <p:nvCxnSpPr>
-          <p:cNvPr id="9" name="Straight Connector 8">
-            <a:extLst>
-              <a:ext uri="{FF2B5EF4-FFF2-40B4-BE49-F238E27FC236}">
-                <a16:creationId xmlns:a16="http://schemas.microsoft.com/office/drawing/2014/main" id="{4225CC20-A767-84DD-7C43-FC175E2AF493}"/>
-              </a:ext>
-            </a:extLst>
-          </p:cNvPr>
-          <p:cNvCxnSpPr>
-            <a:cxnSpLocks/>
-          </p:cNvCxnSpPr>
-          <p:nvPr/>
-        </p:nvCxnSpPr>
-        <p:spPr>
-          <a:xfrm>
-            <a:off x="520152" y="2035277"/>
-            <a:ext cx="7995198" cy="0"/>
-          </a:xfrm>
-          <a:prstGeom prst="line">
-            <a:avLst/>
-          </a:prstGeom>
-          <a:ln>
-            <a:solidFill>
-              <a:schemeClr val="accent1">
-                <a:lumMod val="50000"/>
-              </a:schemeClr>
-            </a:solidFill>
-          </a:ln>
-        </p:spPr>
-        <p:style>
-          <a:lnRef idx="3">
-            <a:schemeClr val="accent1"/>
-          </a:lnRef>
-          <a:fillRef idx="0">
-            <a:schemeClr val="accent1"/>
-          </a:fillRef>
-          <a:effectRef idx="2">
-            <a:schemeClr val="accent1"/>
-          </a:effectRef>
-          <a:fontRef idx="minor">
-            <a:schemeClr val="tx1"/>
-          </a:fontRef>
-        </p:style>
-      </p:cxnSp>
-      <p:sp>
-        <p:nvSpPr>
-          <p:cNvPr id="4" name="TextBox 3">
-            <a:extLst>
-              <a:ext uri="{FF2B5EF4-FFF2-40B4-BE49-F238E27FC236}">
-                <a16:creationId xmlns:a16="http://schemas.microsoft.com/office/drawing/2014/main" id="{64B616DD-E41D-5A8D-5993-DFD169F91FD7}"/>
-              </a:ext>
-            </a:extLst>
-          </p:cNvPr>
-          <p:cNvSpPr txBox="1"/>
-          <p:nvPr/>
-        </p:nvSpPr>
-        <p:spPr>
-          <a:xfrm>
-            <a:off x="301623" y="2281101"/>
-            <a:ext cx="8509002" cy="2677656"/>
-          </a:xfrm>
-          <a:prstGeom prst="rect">
-            <a:avLst/>
-          </a:prstGeom>
-          <a:noFill/>
-        </p:spPr>
-        <p:txBody>
-          <a:bodyPr wrap="square">
-            <a:spAutoFit/>
-          </a:bodyPr>
-          <a:lstStyle/>
-          <a:p>
-            <a:pPr marL="114300" indent="0">
-              <a:buNone/>
-            </a:pPr>
-            <a:r>
-              <a:rPr lang="en-US" sz="2800" dirty="0"/>
-              <a:t>The HAVING clause was added to SQL because the WHERE keyword cannot be used with aggregate functions.</a:t>
-            </a:r>
-          </a:p>
-          <a:p>
-            <a:pPr marL="114300" indent="0">
-              <a:buNone/>
-            </a:pPr>
-            <a:endParaRPr lang="en-US" sz="2800" dirty="0"/>
-          </a:p>
-          <a:p>
-            <a:pPr marL="114300" indent="0">
-              <a:buNone/>
-            </a:pPr>
-            <a:r>
-              <a:rPr lang="en-US" sz="2800" dirty="0"/>
-              <a:t>HAVING clause is equivalent to WHERE clause but HAVING used with only GROUP BY clause.</a:t>
-            </a:r>
-          </a:p>
-        </p:txBody>
-      </p:sp>
-    </p:spTree>
-    <p:extLst>
-      <p:ext uri="{BB962C8B-B14F-4D97-AF65-F5344CB8AC3E}">
-        <p14:creationId xmlns:p14="http://schemas.microsoft.com/office/powerpoint/2010/main" val="4046570824"/>
       </p:ext>
     </p:extLst>
   </p:cSld>
@@ -34115,6 +34299,225 @@
               <a:rPr lang="en-US" sz="4000" dirty="0">
                 <a:latin typeface="+mn-lt"/>
               </a:rPr>
+              <a:t>GROUP BY with HAVING</a:t>
+            </a:r>
+            <a:endParaRPr lang="en-US" sz="4000" dirty="0"/>
+          </a:p>
+        </p:txBody>
+      </p:sp>
+      <p:sp>
+        <p:nvSpPr>
+          <p:cNvPr id="5" name="Rectangle: Top Corners Rounded 4">
+            <a:extLst>
+              <a:ext uri="{FF2B5EF4-FFF2-40B4-BE49-F238E27FC236}">
+                <a16:creationId xmlns:a16="http://schemas.microsoft.com/office/drawing/2014/main" id="{F7B8CC30-D7B0-36B7-EE92-26AC5FA2CAF4}"/>
+              </a:ext>
+            </a:extLst>
+          </p:cNvPr>
+          <p:cNvSpPr/>
+          <p:nvPr/>
+        </p:nvSpPr>
+        <p:spPr>
+          <a:xfrm>
+            <a:off x="520152" y="1544719"/>
+            <a:ext cx="3566073" cy="501445"/>
+          </a:xfrm>
+          <a:prstGeom prst="round2SameRect">
+            <a:avLst/>
+          </a:prstGeom>
+          <a:solidFill>
+            <a:schemeClr val="accent1">
+              <a:lumMod val="50000"/>
+            </a:schemeClr>
+          </a:solidFill>
+        </p:spPr>
+        <p:style>
+          <a:lnRef idx="2">
+            <a:schemeClr val="accent1">
+              <a:shade val="50000"/>
+            </a:schemeClr>
+          </a:lnRef>
+          <a:fillRef idx="1">
+            <a:schemeClr val="accent1"/>
+          </a:fillRef>
+          <a:effectRef idx="0">
+            <a:schemeClr val="accent1"/>
+          </a:effectRef>
+          <a:fontRef idx="minor">
+            <a:schemeClr val="lt1"/>
+          </a:fontRef>
+        </p:style>
+        <p:txBody>
+          <a:bodyPr rtlCol="0" anchor="ctr"/>
+          <a:lstStyle/>
+          <a:p>
+            <a:r>
+              <a:rPr lang="en-US" sz="2800" dirty="0"/>
+              <a:t>Aggregation</a:t>
+            </a:r>
+          </a:p>
+        </p:txBody>
+      </p:sp>
+      <p:cxnSp>
+        <p:nvCxnSpPr>
+          <p:cNvPr id="9" name="Straight Connector 8">
+            <a:extLst>
+              <a:ext uri="{FF2B5EF4-FFF2-40B4-BE49-F238E27FC236}">
+                <a16:creationId xmlns:a16="http://schemas.microsoft.com/office/drawing/2014/main" id="{4225CC20-A767-84DD-7C43-FC175E2AF493}"/>
+              </a:ext>
+            </a:extLst>
+          </p:cNvPr>
+          <p:cNvCxnSpPr>
+            <a:cxnSpLocks/>
+          </p:cNvCxnSpPr>
+          <p:nvPr/>
+        </p:nvCxnSpPr>
+        <p:spPr>
+          <a:xfrm>
+            <a:off x="520152" y="2035277"/>
+            <a:ext cx="7995198" cy="0"/>
+          </a:xfrm>
+          <a:prstGeom prst="line">
+            <a:avLst/>
+          </a:prstGeom>
+          <a:ln>
+            <a:solidFill>
+              <a:schemeClr val="accent1">
+                <a:lumMod val="50000"/>
+              </a:schemeClr>
+            </a:solidFill>
+          </a:ln>
+        </p:spPr>
+        <p:style>
+          <a:lnRef idx="3">
+            <a:schemeClr val="accent1"/>
+          </a:lnRef>
+          <a:fillRef idx="0">
+            <a:schemeClr val="accent1"/>
+          </a:fillRef>
+          <a:effectRef idx="2">
+            <a:schemeClr val="accent1"/>
+          </a:effectRef>
+          <a:fontRef idx="minor">
+            <a:schemeClr val="tx1"/>
+          </a:fontRef>
+        </p:style>
+      </p:cxnSp>
+      <p:sp>
+        <p:nvSpPr>
+          <p:cNvPr id="4" name="TextBox 3">
+            <a:extLst>
+              <a:ext uri="{FF2B5EF4-FFF2-40B4-BE49-F238E27FC236}">
+                <a16:creationId xmlns:a16="http://schemas.microsoft.com/office/drawing/2014/main" id="{64B616DD-E41D-5A8D-5993-DFD169F91FD7}"/>
+              </a:ext>
+            </a:extLst>
+          </p:cNvPr>
+          <p:cNvSpPr txBox="1"/>
+          <p:nvPr/>
+        </p:nvSpPr>
+        <p:spPr>
+          <a:xfrm>
+            <a:off x="301623" y="2281101"/>
+            <a:ext cx="8509002" cy="2677656"/>
+          </a:xfrm>
+          <a:prstGeom prst="rect">
+            <a:avLst/>
+          </a:prstGeom>
+          <a:noFill/>
+        </p:spPr>
+        <p:txBody>
+          <a:bodyPr wrap="square">
+            <a:spAutoFit/>
+          </a:bodyPr>
+          <a:lstStyle/>
+          <a:p>
+            <a:pPr marL="114300" indent="0">
+              <a:buNone/>
+            </a:pPr>
+            <a:r>
+              <a:rPr lang="en-US" sz="2800" dirty="0"/>
+              <a:t>The HAVING clause was added to SQL because the WHERE keyword cannot be used with aggregate functions.</a:t>
+            </a:r>
+          </a:p>
+          <a:p>
+            <a:pPr marL="114300" indent="0">
+              <a:buNone/>
+            </a:pPr>
+            <a:endParaRPr lang="en-US" sz="2800" dirty="0"/>
+          </a:p>
+          <a:p>
+            <a:pPr marL="114300" indent="0">
+              <a:buNone/>
+            </a:pPr>
+            <a:r>
+              <a:rPr lang="en-US" sz="2800" dirty="0"/>
+              <a:t>HAVING clause is equivalent to WHERE clause but HAVING used with only GROUP BY clause.</a:t>
+            </a:r>
+          </a:p>
+        </p:txBody>
+      </p:sp>
+    </p:spTree>
+    <p:extLst>
+      <p:ext uri="{BB962C8B-B14F-4D97-AF65-F5344CB8AC3E}">
+        <p14:creationId xmlns:p14="http://schemas.microsoft.com/office/powerpoint/2010/main" val="4046570824"/>
+      </p:ext>
+    </p:extLst>
+  </p:cSld>
+  <p:clrMapOvr>
+    <a:masterClrMapping/>
+  </p:clrMapOvr>
+</p:sld>
+</file>
+
+<file path=ppt/slides/slide51.xml><?xml version="1.0" encoding="utf-8"?>
+<p:sld xmlns:a="http://schemas.openxmlformats.org/drawingml/2006/main" xmlns:r="http://schemas.openxmlformats.org/officeDocument/2006/relationships" xmlns:p="http://schemas.openxmlformats.org/presentationml/2006/main">
+  <p:cSld>
+    <p:spTree>
+      <p:nvGrpSpPr>
+        <p:cNvPr id="1" name=""/>
+        <p:cNvGrpSpPr/>
+        <p:nvPr/>
+      </p:nvGrpSpPr>
+      <p:grpSpPr>
+        <a:xfrm>
+          <a:off x="0" y="0"/>
+          <a:ext cx="0" cy="0"/>
+          <a:chOff x="0" y="0"/>
+          <a:chExt cx="0" cy="0"/>
+        </a:xfrm>
+      </p:grpSpPr>
+      <p:sp>
+        <p:nvSpPr>
+          <p:cNvPr id="2" name="Title 1">
+            <a:extLst>
+              <a:ext uri="{FF2B5EF4-FFF2-40B4-BE49-F238E27FC236}">
+                <a16:creationId xmlns:a16="http://schemas.microsoft.com/office/drawing/2014/main" id="{1B0E7528-F0A1-EE48-D3FD-F2F7E07542CC}"/>
+              </a:ext>
+            </a:extLst>
+          </p:cNvPr>
+          <p:cNvSpPr>
+            <a:spLocks noGrp="1"/>
+          </p:cNvSpPr>
+          <p:nvPr>
+            <p:ph type="title"/>
+          </p:nvPr>
+        </p:nvSpPr>
+        <p:spPr>
+          <a:xfrm>
+            <a:off x="520152" y="374651"/>
+            <a:ext cx="8108951" cy="1325563"/>
+          </a:xfrm>
+        </p:spPr>
+        <p:txBody>
+          <a:bodyPr>
+            <a:normAutofit/>
+          </a:bodyPr>
+          <a:lstStyle/>
+          <a:p>
+            <a:r>
+              <a:rPr lang="en-US" sz="4000" dirty="0">
+                <a:latin typeface="+mn-lt"/>
+              </a:rPr>
               <a:t>GROUP BY</a:t>
             </a:r>
             <a:endParaRPr lang="en-US" sz="4000" dirty="0"/>
@@ -34612,7 +35015,7 @@
 </p:sld>
 </file>
 
-<file path=ppt/slides/slide51.xml><?xml version="1.0" encoding="utf-8"?>
+<file path=ppt/slides/slide52.xml><?xml version="1.0" encoding="utf-8"?>
 <p:sld xmlns:a="http://schemas.openxmlformats.org/drawingml/2006/main" xmlns:r="http://schemas.openxmlformats.org/officeDocument/2006/relationships" xmlns:p="http://schemas.openxmlformats.org/presentationml/2006/main">
   <p:cSld>
     <p:spTree>
@@ -35040,7 +35443,7 @@
 </p:sld>
 </file>
 
-<file path=ppt/slides/slide52.xml><?xml version="1.0" encoding="utf-8"?>
+<file path=ppt/slides/slide53.xml><?xml version="1.0" encoding="utf-8"?>
 <p:sld xmlns:a="http://schemas.openxmlformats.org/drawingml/2006/main" xmlns:r="http://schemas.openxmlformats.org/officeDocument/2006/relationships" xmlns:p="http://schemas.openxmlformats.org/presentationml/2006/main">
   <p:cSld>
     <p:spTree>
@@ -35544,7 +35947,7 @@
 </p:sld>
 </file>
 
-<file path=ppt/slides/slide53.xml><?xml version="1.0" encoding="utf-8"?>
+<file path=ppt/slides/slide54.xml><?xml version="1.0" encoding="utf-8"?>
 <p:sld xmlns:a="http://schemas.openxmlformats.org/drawingml/2006/main" xmlns:r="http://schemas.openxmlformats.org/officeDocument/2006/relationships" xmlns:p="http://schemas.openxmlformats.org/presentationml/2006/main">
   <p:cSld>
     <p:spTree>
@@ -36189,7 +36592,7 @@
 </p:sld>
 </file>
 
-<file path=ppt/slides/slide54.xml><?xml version="1.0" encoding="utf-8"?>
+<file path=ppt/slides/slide55.xml><?xml version="1.0" encoding="utf-8"?>
 <p:sld xmlns:a="http://schemas.openxmlformats.org/drawingml/2006/main" xmlns:r="http://schemas.openxmlformats.org/officeDocument/2006/relationships" xmlns:p="http://schemas.openxmlformats.org/presentationml/2006/main">
   <p:cSld>
     <p:spTree>
@@ -36554,7 +36957,7 @@
 </p:sld>
 </file>
 
-<file path=ppt/slides/slide55.xml><?xml version="1.0" encoding="utf-8"?>
+<file path=ppt/slides/slide56.xml><?xml version="1.0" encoding="utf-8"?>
 <p:sld xmlns:a="http://schemas.openxmlformats.org/drawingml/2006/main" xmlns:r="http://schemas.openxmlformats.org/officeDocument/2006/relationships" xmlns:p="http://schemas.openxmlformats.org/presentationml/2006/main">
   <p:cSld>
     <p:spTree>
